--- a/proyecto/hito-5/hito-5.pptx
+++ b/proyecto/hito-5/hito-5.pptx
@@ -124,9 +124,70 @@
 <file path=ppt/revisionInfo.xml><?xml version="1.0" encoding="utf-8"?>
 <p1510:revInfo xmlns:a="http://schemas.openxmlformats.org/drawingml/2006/main" xmlns:r="http://schemas.openxmlformats.org/officeDocument/2006/relationships" xmlns:p1510="http://schemas.microsoft.com/office/powerpoint/2015/10/main">
   <p1510:revLst>
-    <p1510:client id="{88530604-B65E-4673-9201-68378DC44239}" v="290" dt="2024-08-17T01:17:34.946"/>
+    <p1510:client id="{83809408-185A-4594-B762-E396B32472B2}" v="1" dt="2024-08-19T23:05:13.833"/>
   </p1510:revLst>
 </p1510:revInfo>
+</file>
+
+<file path=ppt/changesInfos/changesInfo1.xml><?xml version="1.0" encoding="utf-8"?>
+<pc:chgInfo xmlns:a="http://schemas.openxmlformats.org/drawingml/2006/main" xmlns:r="http://schemas.openxmlformats.org/officeDocument/2006/relationships" xmlns:ac="http://schemas.microsoft.com/office/drawing/2013/main/command" xmlns:pc="http://schemas.microsoft.com/office/powerpoint/2013/main/command">
+  <pc:docChgLst>
+    <pc:chgData name="Leslie Reyes" userId="eac32bdedb4ec0d5" providerId="LiveId" clId="{83809408-185A-4594-B762-E396B32472B2}"/>
+    <pc:docChg chg="custSel modSld">
+      <pc:chgData name="Leslie Reyes" userId="eac32bdedb4ec0d5" providerId="LiveId" clId="{83809408-185A-4594-B762-E396B32472B2}" dt="2024-08-19T23:05:28.924" v="31" actId="1076"/>
+      <pc:docMkLst>
+        <pc:docMk/>
+      </pc:docMkLst>
+      <pc:sldChg chg="addSp delSp modSp mod">
+        <pc:chgData name="Leslie Reyes" userId="eac32bdedb4ec0d5" providerId="LiveId" clId="{83809408-185A-4594-B762-E396B32472B2}" dt="2024-08-19T23:05:28.924" v="31" actId="1076"/>
+        <pc:sldMkLst>
+          <pc:docMk/>
+          <pc:sldMk cId="2585983919" sldId="268"/>
+        </pc:sldMkLst>
+        <pc:spChg chg="add mod">
+          <ac:chgData name="Leslie Reyes" userId="eac32bdedb4ec0d5" providerId="LiveId" clId="{83809408-185A-4594-B762-E396B32472B2}" dt="2024-08-19T23:05:28.924" v="31" actId="1076"/>
+          <ac:spMkLst>
+            <pc:docMk/>
+            <pc:sldMk cId="2585983919" sldId="268"/>
+            <ac:spMk id="10" creationId="{8D213059-D48E-98BB-B5E6-E7BF3C535631}"/>
+          </ac:spMkLst>
+        </pc:spChg>
+        <pc:picChg chg="add del mod">
+          <ac:chgData name="Leslie Reyes" userId="eac32bdedb4ec0d5" providerId="LiveId" clId="{83809408-185A-4594-B762-E396B32472B2}" dt="2024-08-19T23:04:59.543" v="4" actId="478"/>
+          <ac:picMkLst>
+            <pc:docMk/>
+            <pc:sldMk cId="2585983919" sldId="268"/>
+            <ac:picMk id="4" creationId="{2E4026C6-CE36-BB3F-2D54-54C569746A19}"/>
+          </ac:picMkLst>
+        </pc:picChg>
+        <pc:picChg chg="del">
+          <ac:chgData name="Leslie Reyes" userId="eac32bdedb4ec0d5" providerId="LiveId" clId="{83809408-185A-4594-B762-E396B32472B2}" dt="2024-08-19T23:05:00.792" v="5" actId="478"/>
+          <ac:picMkLst>
+            <pc:docMk/>
+            <pc:sldMk cId="2585983919" sldId="268"/>
+            <ac:picMk id="6" creationId="{6C3F74DC-0910-C69E-1CE7-05EC398AEC01}"/>
+          </ac:picMkLst>
+        </pc:picChg>
+        <pc:picChg chg="del">
+          <ac:chgData name="Leslie Reyes" userId="eac32bdedb4ec0d5" providerId="LiveId" clId="{83809408-185A-4594-B762-E396B32472B2}" dt="2024-08-19T23:04:52.990" v="0" actId="478"/>
+          <ac:picMkLst>
+            <pc:docMk/>
+            <pc:sldMk cId="2585983919" sldId="268"/>
+            <ac:picMk id="8" creationId="{5EE0F74B-073C-C0B5-A0D0-AF74337B4A8D}"/>
+          </ac:picMkLst>
+        </pc:picChg>
+        <pc:picChg chg="add mod">
+          <ac:chgData name="Leslie Reyes" userId="eac32bdedb4ec0d5" providerId="LiveId" clId="{83809408-185A-4594-B762-E396B32472B2}" dt="2024-08-19T23:05:08.049" v="9" actId="1076"/>
+          <ac:picMkLst>
+            <pc:docMk/>
+            <pc:sldMk cId="2585983919" sldId="268"/>
+            <ac:picMk id="9" creationId="{EF4E8AC3-8942-2E6B-66CA-3C3A542E9B40}"/>
+          </ac:picMkLst>
+        </pc:picChg>
+      </pc:sldChg>
+    </pc:docChg>
+  </pc:docChgLst>
+</pc:chgInfo>
 </file>
 
 <file path=ppt/notesMasters/notesMaster1.xml><?xml version="1.0" encoding="utf-8"?>
@@ -5682,10 +5743,10 @@
       </p:pic>
       <p:pic>
         <p:nvPicPr>
-          <p:cNvPr id="6" name="Imagen 5">
-            <a:extLst>
-              <a:ext uri="{FF2B5EF4-FFF2-40B4-BE49-F238E27FC236}">
-                <a16:creationId xmlns:a16="http://schemas.microsoft.com/office/drawing/2014/main" id="{6C3F74DC-0910-C69E-1CE7-05EC398AEC01}"/>
+          <p:cNvPr id="9" name="Imagen 8">
+            <a:extLst>
+              <a:ext uri="{FF2B5EF4-FFF2-40B4-BE49-F238E27FC236}">
+                <a16:creationId xmlns:a16="http://schemas.microsoft.com/office/drawing/2014/main" id="{EF4E8AC3-8942-2E6B-66CA-3C3A542E9B40}"/>
               </a:ext>
             </a:extLst>
           </p:cNvPr>
@@ -5702,44 +5763,54 @@
         </p:blipFill>
         <p:spPr>
           <a:xfrm>
-            <a:off x="2890982" y="1779127"/>
-            <a:ext cx="5605526" cy="3299746"/>
+            <a:off x="3004087" y="1779127"/>
+            <a:ext cx="6035017" cy="4046638"/>
           </a:xfrm>
           <a:prstGeom prst="rect">
             <a:avLst/>
           </a:prstGeom>
         </p:spPr>
       </p:pic>
-      <p:pic>
-        <p:nvPicPr>
-          <p:cNvPr id="8" name="Imagen 7">
-            <a:extLst>
-              <a:ext uri="{FF2B5EF4-FFF2-40B4-BE49-F238E27FC236}">
-                <a16:creationId xmlns:a16="http://schemas.microsoft.com/office/drawing/2014/main" id="{5EE0F74B-073C-C0B5-A0D0-AF74337B4A8D}"/>
-              </a:ext>
-            </a:extLst>
-          </p:cNvPr>
-          <p:cNvPicPr>
-            <a:picLocks noChangeAspect="1"/>
-          </p:cNvPicPr>
+      <p:sp>
+        <p:nvSpPr>
+          <p:cNvPr id="10" name="CuadroTexto 9">
+            <a:extLst>
+              <a:ext uri="{FF2B5EF4-FFF2-40B4-BE49-F238E27FC236}">
+                <a16:creationId xmlns:a16="http://schemas.microsoft.com/office/drawing/2014/main" id="{8D213059-D48E-98BB-B5E6-E7BF3C535631}"/>
+              </a:ext>
+            </a:extLst>
+          </p:cNvPr>
+          <p:cNvSpPr txBox="1"/>
           <p:nvPr/>
-        </p:nvPicPr>
-        <p:blipFill>
-          <a:blip r:embed="rId5"/>
-          <a:stretch>
-            <a:fillRect/>
-          </a:stretch>
-        </p:blipFill>
+        </p:nvSpPr>
         <p:spPr>
           <a:xfrm>
-            <a:off x="2890982" y="1690688"/>
-            <a:ext cx="6508044" cy="4107536"/>
+            <a:off x="1078789" y="1409795"/>
+            <a:ext cx="3342381" cy="369332"/>
           </a:xfrm>
           <a:prstGeom prst="rect">
             <a:avLst/>
           </a:prstGeom>
+          <a:noFill/>
         </p:spPr>
-      </p:pic>
+        <p:txBody>
+          <a:bodyPr wrap="square" rtlCol="0">
+            <a:spAutoFit/>
+          </a:bodyPr>
+          <a:lstStyle/>
+          <a:p>
+            <a:r>
+              <a:rPr lang="es-ES" dirty="0" err="1"/>
+              <a:t>Select</a:t>
+            </a:r>
+            <a:r>
+              <a:rPr lang="es-ES" dirty="0"/>
+              <a:t> condicional</a:t>
+            </a:r>
+            <a:endParaRPr lang="es-CL" dirty="0"/>
+          </a:p>
+        </p:txBody>
+      </p:sp>
     </p:spTree>
     <p:extLst>
       <p:ext uri="{BB962C8B-B14F-4D97-AF65-F5344CB8AC3E}">
